--- a/documents/ZhangGeorgePresentation.pptx
+++ b/documents/ZhangGeorgePresentation.pptx
@@ -31,7 +31,7 @@
     <p:sldId id="275" r:id="rId22"/>
     <p:sldId id="276" r:id="rId23"/>
     <p:sldId id="277" r:id="rId24"/>
-    <p:sldId id="278" r:id="rId25"/>
+    <p:sldId id="291" r:id="rId25"/>
     <p:sldId id="279" r:id="rId26"/>
     <p:sldId id="280" r:id="rId27"/>
     <p:sldId id="281" r:id="rId28"/>
@@ -6415,7 +6415,7 @@
           <a:p>
             <a:r>
               <a:rPr lang="en-US" dirty="0" smtClean="0"/>
-              <a:t>I’m using: </a:t>
+              <a:t>Currently, I’m using: </a:t>
             </a:r>
           </a:p>
         </p:txBody>
@@ -6507,7 +6507,7 @@
         </p:blipFill>
         <p:spPr>
           <a:xfrm>
-            <a:off x="2679305" y="5435312"/>
+            <a:off x="4398463" y="5435312"/>
             <a:ext cx="3356384" cy="786433"/>
           </a:xfrm>
           <a:prstGeom prst="rect">
@@ -6672,7 +6672,7 @@
           <a:p>
             <a:r>
               <a:rPr lang="en-US" dirty="0" smtClean="0"/>
-              <a:t>I’m using: </a:t>
+              <a:t>Currently, I’m using: </a:t>
             </a:r>
           </a:p>
         </p:txBody>
@@ -6764,7 +6764,7 @@
         </p:blipFill>
         <p:spPr>
           <a:xfrm>
-            <a:off x="2679305" y="5435312"/>
+            <a:off x="4398463" y="5435312"/>
             <a:ext cx="3356384" cy="786433"/>
           </a:xfrm>
           <a:prstGeom prst="rect">
@@ -6780,8 +6780,8 @@
         </p:nvSpPr>
         <p:spPr>
           <a:xfrm>
-            <a:off x="6336108" y="5710664"/>
-            <a:ext cx="2202715" cy="830997"/>
+            <a:off x="5680648" y="6079802"/>
+            <a:ext cx="3263641" cy="461665"/>
           </a:xfrm>
           <a:prstGeom prst="rect">
             <a:avLst/>
@@ -6806,7 +6806,7 @@
     </p:spTree>
     <p:extLst>
       <p:ext uri="{BB962C8B-B14F-4D97-AF65-F5344CB8AC3E}">
-        <p14:creationId xmlns:p14="http://schemas.microsoft.com/office/powerpoint/2010/main" val="1463287115"/>
+        <p14:creationId xmlns:p14="http://schemas.microsoft.com/office/powerpoint/2010/main" val="311833308"/>
       </p:ext>
     </p:extLst>
   </p:cSld>
